--- a/Slide Deck/Stroke Prediction.pptx
+++ b/Slide Deck/Stroke Prediction.pptx
@@ -908,7 +908,7 @@
             </a:pPr>
             <a:r>
               <a:rPr lang="en"/>
-              <a:t>Final dataframe with outcomes</a:t>
+              <a:t>Final dataframe used only for visualizations with outcomes highlighted here.</a:t>
             </a:r>
             <a:endParaRPr/>
           </a:p>
@@ -1108,38 +1108,7 @@
             </a:pPr>
             <a:r>
               <a:rPr lang="en"/>
-              <a:t>Determined stroke correlation. found the top 5 Stroke Correlations are highlighted here (Age, heart disease, hypertension (high blood pressure), diabetic (high glucose levels), BMI as overweight.) </a:t>
-            </a:r>
-            <a:endParaRPr/>
-          </a:p>
-          <a:p>
-            <a:pPr indent="0" lvl="0" marL="0" rtl="0" algn="l">
-              <a:spcBef>
-                <a:spcPts val="0"/>
-              </a:spcBef>
-              <a:spcAft>
-                <a:spcPts val="0"/>
-              </a:spcAft>
-              <a:buNone/>
-            </a:pPr>
-            <a:r>
-              <a:t/>
-            </a:r>
-            <a:endParaRPr/>
-          </a:p>
-          <a:p>
-            <a:pPr indent="0" lvl="0" marL="0" rtl="0" algn="l">
-              <a:spcBef>
-                <a:spcPts val="0"/>
-              </a:spcBef>
-              <a:spcAft>
-                <a:spcPts val="0"/>
-              </a:spcAft>
-              <a:buNone/>
-            </a:pPr>
-            <a:r>
-              <a:rPr lang="en"/>
-              <a:t>The bottom 5least correlated to stroke also made perfect sense (like work_type Never, diabetes outcome normal, bmi outcome underweight) = all negative stroke correlation. </a:t>
+              <a:t>Determined stroke correlation. found the top 5 and bottom 5 Stroke Correlations which are highlighted here. Noting that Age is at the very top and work_type_Never, bottom, with negative stroke correlations.(Age, heart disease, hypertension (high blood pressure), diabetic (high glucose levels), BMI as overweight.) </a:t>
             </a:r>
             <a:endParaRPr/>
           </a:p>
@@ -1254,7 +1223,7 @@
             </a:pPr>
             <a:r>
               <a:rPr lang="en"/>
-              <a:t>Diving deeper into each stroke correlation, graphed age and gender as well as age and BMI. Since age had the strongest correlation and gender most easily identifiable, the data did show that females had a much higher risk of stroke compared to males.</a:t>
+              <a:t>Diving deeper into each stroke correlation, we graphed Age, had the strongest correlation and gender, was most easily identifiable. You can see that females had a much higher risk of stroke compared to males which we found surprising.</a:t>
             </a:r>
             <a:endParaRPr/>
           </a:p>
@@ -1354,7 +1323,7 @@
             </a:pPr>
             <a:r>
               <a:rPr lang="en"/>
-              <a:t>For age and BMI, a BMI outcome of overweight, obese, and extremely obese </a:t>
+              <a:t>We also graphed age and BMI. You can see a BMI outcome of overweight, obese, and extremely obese </a:t>
             </a:r>
             <a:r>
               <a:rPr lang="en">
@@ -19781,7 +19750,7 @@
                   <a:schemeClr val="lt1"/>
                 </a:solidFill>
               </a:rPr>
-              <a:t>Import to Spark SQL</a:t>
+              <a:t>Import Using PySpark </a:t>
             </a:r>
             <a:endParaRPr sz="1400">
               <a:solidFill>
@@ -22580,6 +22549,285 @@
 </file>
 
 <file path=ppt/theme/theme1.xml><?xml version="1.0" encoding="utf-8"?>
+<a:theme xmlns:a="http://schemas.openxmlformats.org/drawingml/2006/main" xmlns:r="http://schemas.openxmlformats.org/officeDocument/2006/relationships">
+  <a:themeElements>
+    <a:clrScheme name="Default">
+      <a:dk1>
+        <a:srgbClr val="000000"/>
+      </a:dk1>
+      <a:lt1>
+        <a:srgbClr val="FFFFFF"/>
+      </a:lt1>
+      <a:dk2>
+        <a:srgbClr val="158158"/>
+      </a:dk2>
+      <a:lt2>
+        <a:srgbClr val="F3F3F3"/>
+      </a:lt2>
+      <a:accent1>
+        <a:srgbClr val="058DC7"/>
+      </a:accent1>
+      <a:accent2>
+        <a:srgbClr val="50B432"/>
+      </a:accent2>
+      <a:accent3>
+        <a:srgbClr val="ED561B"/>
+      </a:accent3>
+      <a:accent4>
+        <a:srgbClr val="EDEF00"/>
+      </a:accent4>
+      <a:accent5>
+        <a:srgbClr val="24CBE5"/>
+      </a:accent5>
+      <a:accent6>
+        <a:srgbClr val="64E572"/>
+      </a:accent6>
+      <a:hlink>
+        <a:srgbClr val="2200CC"/>
+      </a:hlink>
+      <a:folHlink>
+        <a:srgbClr val="551A8B"/>
+      </a:folHlink>
+    </a:clrScheme>
+    <a:fontScheme name="Office">
+      <a:majorFont>
+        <a:latin typeface="Arial"/>
+        <a:ea typeface=""/>
+        <a:cs typeface=""/>
+        <a:font script="Jpan" typeface="ＭＳ Ｐゴシック"/>
+        <a:font script="Hang" typeface="맑은 고딕"/>
+        <a:font script="Hans" typeface="宋体"/>
+        <a:font script="Hant" typeface="新細明體"/>
+        <a:font script="Arab" typeface="Times New Roman"/>
+        <a:font script="Hebr" typeface="Times New Roman"/>
+        <a:font script="Thai" typeface="Angsana New"/>
+        <a:font script="Ethi" typeface="Nyala"/>
+        <a:font script="Beng" typeface="Vrinda"/>
+        <a:font script="Gujr" typeface="Shruti"/>
+        <a:font script="Khmr" typeface="MoolBoran"/>
+        <a:font script="Knda" typeface="Tunga"/>
+        <a:font script="Guru" typeface="Raavi"/>
+        <a:font script="Cans" typeface="Euphemia"/>
+        <a:font script="Cher" typeface="Plantagenet Cherokee"/>
+        <a:font script="Yiii" typeface="Microsoft Yi Baiti"/>
+        <a:font script="Tibt" typeface="Microsoft Himalaya"/>
+        <a:font script="Thaa" typeface="MV Boli"/>
+        <a:font script="Deva" typeface="Mangal"/>
+        <a:font script="Telu" typeface="Gautami"/>
+        <a:font script="Taml" typeface="Latha"/>
+        <a:font script="Syrc" typeface="Estrangelo Edessa"/>
+        <a:font script="Orya" typeface="Kalinga"/>
+        <a:font script="Mlym" typeface="Kartika"/>
+        <a:font script="Laoo" typeface="DokChampa"/>
+        <a:font script="Sinh" typeface="Iskoola Pota"/>
+        <a:font script="Mong" typeface="Mongolian Baiti"/>
+        <a:font script="Viet" typeface="Times New Roman"/>
+        <a:font script="Uigh" typeface="Microsoft Uighur"/>
+        <a:font script="Geor" typeface="Sylfaen"/>
+      </a:majorFont>
+      <a:minorFont>
+        <a:latin typeface="Arial"/>
+        <a:ea typeface=""/>
+        <a:cs typeface=""/>
+        <a:font script="Jpan" typeface="ＭＳ Ｐゴシック"/>
+        <a:font script="Hang" typeface="맑은 고딕"/>
+        <a:font script="Hans" typeface="宋体"/>
+        <a:font script="Hant" typeface="新細明體"/>
+        <a:font script="Arab" typeface="Arial"/>
+        <a:font script="Hebr" typeface="Arial"/>
+        <a:font script="Thai" typeface="Cordia New"/>
+        <a:font script="Ethi" typeface="Nyala"/>
+        <a:font script="Beng" typeface="Vrinda"/>
+        <a:font script="Gujr" typeface="Shruti"/>
+        <a:font script="Khmr" typeface="DaunPenh"/>
+        <a:font script="Knda" typeface="Tunga"/>
+        <a:font script="Guru" typeface="Raavi"/>
+        <a:font script="Cans" typeface="Euphemia"/>
+        <a:font script="Cher" typeface="Plantagenet Cherokee"/>
+        <a:font script="Yiii" typeface="Microsoft Yi Baiti"/>
+        <a:font script="Tibt" typeface="Microsoft Himalaya"/>
+        <a:font script="Thaa" typeface="MV Boli"/>
+        <a:font script="Deva" typeface="Mangal"/>
+        <a:font script="Telu" typeface="Gautami"/>
+        <a:font script="Taml" typeface="Latha"/>
+        <a:font script="Syrc" typeface="Estrangelo Edessa"/>
+        <a:font script="Orya" typeface="Kalinga"/>
+        <a:font script="Mlym" typeface="Kartika"/>
+        <a:font script="Laoo" typeface="DokChampa"/>
+        <a:font script="Sinh" typeface="Iskoola Pota"/>
+        <a:font script="Mong" typeface="Mongolian Baiti"/>
+        <a:font script="Viet" typeface="Arial"/>
+        <a:font script="Uigh" typeface="Microsoft Uighur"/>
+        <a:font script="Geor" typeface="Sylfaen"/>
+      </a:minorFont>
+    </a:fontScheme>
+    <a:fmtScheme name="Office">
+      <a:fillStyleLst>
+        <a:solidFill>
+          <a:schemeClr val="phClr"/>
+        </a:solidFill>
+        <a:gradFill rotWithShape="1">
+          <a:gsLst>
+            <a:gs pos="0">
+              <a:schemeClr val="phClr">
+                <a:tint val="50000"/>
+                <a:satMod val="300000"/>
+              </a:schemeClr>
+            </a:gs>
+            <a:gs pos="35000">
+              <a:schemeClr val="phClr">
+                <a:tint val="37000"/>
+                <a:satMod val="300000"/>
+              </a:schemeClr>
+            </a:gs>
+            <a:gs pos="100000">
+              <a:schemeClr val="phClr">
+                <a:tint val="15000"/>
+                <a:satMod val="350000"/>
+              </a:schemeClr>
+            </a:gs>
+          </a:gsLst>
+          <a:lin ang="16200000" scaled="1"/>
+        </a:gradFill>
+        <a:gradFill rotWithShape="1">
+          <a:gsLst>
+            <a:gs pos="0">
+              <a:schemeClr val="phClr">
+                <a:tint val="100000"/>
+                <a:shade val="100000"/>
+                <a:satMod val="130000"/>
+              </a:schemeClr>
+            </a:gs>
+            <a:gs pos="100000">
+              <a:schemeClr val="phClr">
+                <a:tint val="50000"/>
+                <a:shade val="100000"/>
+                <a:satMod val="350000"/>
+              </a:schemeClr>
+            </a:gs>
+          </a:gsLst>
+          <a:lin ang="16200000" scaled="0"/>
+        </a:gradFill>
+      </a:fillStyleLst>
+      <a:lnStyleLst>
+        <a:ln w="9525" cap="flat" cmpd="sng" algn="ctr">
+          <a:solidFill>
+            <a:schemeClr val="phClr">
+              <a:shade val="95000"/>
+              <a:satMod val="105000"/>
+            </a:schemeClr>
+          </a:solidFill>
+          <a:prstDash val="solid"/>
+        </a:ln>
+        <a:ln w="25400" cap="flat" cmpd="sng" algn="ctr">
+          <a:solidFill>
+            <a:schemeClr val="phClr"/>
+          </a:solidFill>
+          <a:prstDash val="solid"/>
+        </a:ln>
+        <a:ln w="38100" cap="flat" cmpd="sng" algn="ctr">
+          <a:solidFill>
+            <a:schemeClr val="phClr"/>
+          </a:solidFill>
+          <a:prstDash val="solid"/>
+        </a:ln>
+      </a:lnStyleLst>
+      <a:effectStyleLst>
+        <a:effectStyle>
+          <a:effectLst>
+            <a:outerShdw blurRad="40000" dist="20000" dir="5400000" rotWithShape="0">
+              <a:srgbClr val="000000">
+                <a:alpha val="38000"/>
+              </a:srgbClr>
+            </a:outerShdw>
+          </a:effectLst>
+        </a:effectStyle>
+        <a:effectStyle>
+          <a:effectLst>
+            <a:outerShdw blurRad="40000" dist="23000" dir="5400000" rotWithShape="0">
+              <a:srgbClr val="000000">
+                <a:alpha val="35000"/>
+              </a:srgbClr>
+            </a:outerShdw>
+          </a:effectLst>
+        </a:effectStyle>
+        <a:effectStyle>
+          <a:effectLst>
+            <a:outerShdw blurRad="40000" dist="23000" dir="5400000" rotWithShape="0">
+              <a:srgbClr val="000000">
+                <a:alpha val="35000"/>
+              </a:srgbClr>
+            </a:outerShdw>
+          </a:effectLst>
+          <a:scene3d>
+            <a:camera prst="orthographicFront">
+              <a:rot lat="0" lon="0" rev="0"/>
+            </a:camera>
+            <a:lightRig rig="threePt" dir="t">
+              <a:rot lat="0" lon="0" rev="1200000"/>
+            </a:lightRig>
+          </a:scene3d>
+          <a:sp3d>
+            <a:bevelT w="63500" h="25400"/>
+          </a:sp3d>
+        </a:effectStyle>
+      </a:effectStyleLst>
+      <a:bgFillStyleLst>
+        <a:solidFill>
+          <a:schemeClr val="phClr"/>
+        </a:solidFill>
+        <a:gradFill rotWithShape="1">
+          <a:gsLst>
+            <a:gs pos="0">
+              <a:schemeClr val="phClr">
+                <a:tint val="40000"/>
+                <a:satMod val="350000"/>
+              </a:schemeClr>
+            </a:gs>
+            <a:gs pos="40000">
+              <a:schemeClr val="phClr">
+                <a:tint val="45000"/>
+                <a:shade val="99000"/>
+                <a:satMod val="350000"/>
+              </a:schemeClr>
+            </a:gs>
+            <a:gs pos="100000">
+              <a:schemeClr val="phClr">
+                <a:shade val="20000"/>
+                <a:satMod val="255000"/>
+              </a:schemeClr>
+            </a:gs>
+          </a:gsLst>
+          <a:path path="circle">
+            <a:fillToRect l="50000" t="-80000" r="50000" b="180000"/>
+          </a:path>
+        </a:gradFill>
+        <a:gradFill rotWithShape="1">
+          <a:gsLst>
+            <a:gs pos="0">
+              <a:schemeClr val="phClr">
+                <a:tint val="80000"/>
+                <a:satMod val="300000"/>
+              </a:schemeClr>
+            </a:gs>
+            <a:gs pos="100000">
+              <a:schemeClr val="phClr">
+                <a:shade val="30000"/>
+                <a:satMod val="200000"/>
+              </a:schemeClr>
+            </a:gs>
+          </a:gsLst>
+          <a:path path="circle">
+            <a:fillToRect l="50000" t="50000" r="50000" b="50000"/>
+          </a:path>
+        </a:gradFill>
+      </a:bgFillStyleLst>
+    </a:fmtScheme>
+  </a:themeElements>
+</a:theme>
+</file>
+
+<file path=ppt/theme/theme2.xml><?xml version="1.0" encoding="utf-8"?>
 <a:theme xmlns:a="http://schemas.openxmlformats.org/drawingml/2006/main" xmlns:r="http://schemas.openxmlformats.org/officeDocument/2006/relationships" name="Geometric">
   <a:themeElements>
     <a:clrScheme name="Geometric">
@@ -22856,283 +23104,4 @@
     </a:fmtScheme>
   </a:themeElements>
 </a:theme>
-</file>
-
-<file path=ppt/theme/theme2.xml><?xml version="1.0" encoding="utf-8"?>
-<a:theme xmlns:a="http://schemas.openxmlformats.org/drawingml/2006/main" xmlns:r="http://schemas.openxmlformats.org/officeDocument/2006/relationships">
-  <a:themeElements>
-    <a:clrScheme name="Default">
-      <a:dk1>
-        <a:srgbClr val="000000"/>
-      </a:dk1>
-      <a:lt1>
-        <a:srgbClr val="FFFFFF"/>
-      </a:lt1>
-      <a:dk2>
-        <a:srgbClr val="158158"/>
-      </a:dk2>
-      <a:lt2>
-        <a:srgbClr val="F3F3F3"/>
-      </a:lt2>
-      <a:accent1>
-        <a:srgbClr val="058DC7"/>
-      </a:accent1>
-      <a:accent2>
-        <a:srgbClr val="50B432"/>
-      </a:accent2>
-      <a:accent3>
-        <a:srgbClr val="ED561B"/>
-      </a:accent3>
-      <a:accent4>
-        <a:srgbClr val="EDEF00"/>
-      </a:accent4>
-      <a:accent5>
-        <a:srgbClr val="24CBE5"/>
-      </a:accent5>
-      <a:accent6>
-        <a:srgbClr val="64E572"/>
-      </a:accent6>
-      <a:hlink>
-        <a:srgbClr val="2200CC"/>
-      </a:hlink>
-      <a:folHlink>
-        <a:srgbClr val="551A8B"/>
-      </a:folHlink>
-    </a:clrScheme>
-    <a:fontScheme name="Office">
-      <a:majorFont>
-        <a:latin typeface="Arial"/>
-        <a:ea typeface=""/>
-        <a:cs typeface=""/>
-        <a:font script="Jpan" typeface="ＭＳ Ｐゴシック"/>
-        <a:font script="Hang" typeface="맑은 고딕"/>
-        <a:font script="Hans" typeface="宋体"/>
-        <a:font script="Hant" typeface="新細明體"/>
-        <a:font script="Arab" typeface="Times New Roman"/>
-        <a:font script="Hebr" typeface="Times New Roman"/>
-        <a:font script="Thai" typeface="Angsana New"/>
-        <a:font script="Ethi" typeface="Nyala"/>
-        <a:font script="Beng" typeface="Vrinda"/>
-        <a:font script="Gujr" typeface="Shruti"/>
-        <a:font script="Khmr" typeface="MoolBoran"/>
-        <a:font script="Knda" typeface="Tunga"/>
-        <a:font script="Guru" typeface="Raavi"/>
-        <a:font script="Cans" typeface="Euphemia"/>
-        <a:font script="Cher" typeface="Plantagenet Cherokee"/>
-        <a:font script="Yiii" typeface="Microsoft Yi Baiti"/>
-        <a:font script="Tibt" typeface="Microsoft Himalaya"/>
-        <a:font script="Thaa" typeface="MV Boli"/>
-        <a:font script="Deva" typeface="Mangal"/>
-        <a:font script="Telu" typeface="Gautami"/>
-        <a:font script="Taml" typeface="Latha"/>
-        <a:font script="Syrc" typeface="Estrangelo Edessa"/>
-        <a:font script="Orya" typeface="Kalinga"/>
-        <a:font script="Mlym" typeface="Kartika"/>
-        <a:font script="Laoo" typeface="DokChampa"/>
-        <a:font script="Sinh" typeface="Iskoola Pota"/>
-        <a:font script="Mong" typeface="Mongolian Baiti"/>
-        <a:font script="Viet" typeface="Times New Roman"/>
-        <a:font script="Uigh" typeface="Microsoft Uighur"/>
-        <a:font script="Geor" typeface="Sylfaen"/>
-      </a:majorFont>
-      <a:minorFont>
-        <a:latin typeface="Arial"/>
-        <a:ea typeface=""/>
-        <a:cs typeface=""/>
-        <a:font script="Jpan" typeface="ＭＳ Ｐゴシック"/>
-        <a:font script="Hang" typeface="맑은 고딕"/>
-        <a:font script="Hans" typeface="宋体"/>
-        <a:font script="Hant" typeface="新細明體"/>
-        <a:font script="Arab" typeface="Arial"/>
-        <a:font script="Hebr" typeface="Arial"/>
-        <a:font script="Thai" typeface="Cordia New"/>
-        <a:font script="Ethi" typeface="Nyala"/>
-        <a:font script="Beng" typeface="Vrinda"/>
-        <a:font script="Gujr" typeface="Shruti"/>
-        <a:font script="Khmr" typeface="DaunPenh"/>
-        <a:font script="Knda" typeface="Tunga"/>
-        <a:font script="Guru" typeface="Raavi"/>
-        <a:font script="Cans" typeface="Euphemia"/>
-        <a:font script="Cher" typeface="Plantagenet Cherokee"/>
-        <a:font script="Yiii" typeface="Microsoft Yi Baiti"/>
-        <a:font script="Tibt" typeface="Microsoft Himalaya"/>
-        <a:font script="Thaa" typeface="MV Boli"/>
-        <a:font script="Deva" typeface="Mangal"/>
-        <a:font script="Telu" typeface="Gautami"/>
-        <a:font script="Taml" typeface="Latha"/>
-        <a:font script="Syrc" typeface="Estrangelo Edessa"/>
-        <a:font script="Orya" typeface="Kalinga"/>
-        <a:font script="Mlym" typeface="Kartika"/>
-        <a:font script="Laoo" typeface="DokChampa"/>
-        <a:font script="Sinh" typeface="Iskoola Pota"/>
-        <a:font script="Mong" typeface="Mongolian Baiti"/>
-        <a:font script="Viet" typeface="Arial"/>
-        <a:font script="Uigh" typeface="Microsoft Uighur"/>
-        <a:font script="Geor" typeface="Sylfaen"/>
-      </a:minorFont>
-    </a:fontScheme>
-    <a:fmtScheme name="Office">
-      <a:fillStyleLst>
-        <a:solidFill>
-          <a:schemeClr val="phClr"/>
-        </a:solidFill>
-        <a:gradFill rotWithShape="1">
-          <a:gsLst>
-            <a:gs pos="0">
-              <a:schemeClr val="phClr">
-                <a:tint val="50000"/>
-                <a:satMod val="300000"/>
-              </a:schemeClr>
-            </a:gs>
-            <a:gs pos="35000">
-              <a:schemeClr val="phClr">
-                <a:tint val="37000"/>
-                <a:satMod val="300000"/>
-              </a:schemeClr>
-            </a:gs>
-            <a:gs pos="100000">
-              <a:schemeClr val="phClr">
-                <a:tint val="15000"/>
-                <a:satMod val="350000"/>
-              </a:schemeClr>
-            </a:gs>
-          </a:gsLst>
-          <a:lin ang="16200000" scaled="1"/>
-        </a:gradFill>
-        <a:gradFill rotWithShape="1">
-          <a:gsLst>
-            <a:gs pos="0">
-              <a:schemeClr val="phClr">
-                <a:tint val="100000"/>
-                <a:shade val="100000"/>
-                <a:satMod val="130000"/>
-              </a:schemeClr>
-            </a:gs>
-            <a:gs pos="100000">
-              <a:schemeClr val="phClr">
-                <a:tint val="50000"/>
-                <a:shade val="100000"/>
-                <a:satMod val="350000"/>
-              </a:schemeClr>
-            </a:gs>
-          </a:gsLst>
-          <a:lin ang="16200000" scaled="0"/>
-        </a:gradFill>
-      </a:fillStyleLst>
-      <a:lnStyleLst>
-        <a:ln w="9525" cap="flat" cmpd="sng" algn="ctr">
-          <a:solidFill>
-            <a:schemeClr val="phClr">
-              <a:shade val="95000"/>
-              <a:satMod val="105000"/>
-            </a:schemeClr>
-          </a:solidFill>
-          <a:prstDash val="solid"/>
-        </a:ln>
-        <a:ln w="25400" cap="flat" cmpd="sng" algn="ctr">
-          <a:solidFill>
-            <a:schemeClr val="phClr"/>
-          </a:solidFill>
-          <a:prstDash val="solid"/>
-        </a:ln>
-        <a:ln w="38100" cap="flat" cmpd="sng" algn="ctr">
-          <a:solidFill>
-            <a:schemeClr val="phClr"/>
-          </a:solidFill>
-          <a:prstDash val="solid"/>
-        </a:ln>
-      </a:lnStyleLst>
-      <a:effectStyleLst>
-        <a:effectStyle>
-          <a:effectLst>
-            <a:outerShdw blurRad="40000" dist="20000" dir="5400000" rotWithShape="0">
-              <a:srgbClr val="000000">
-                <a:alpha val="38000"/>
-              </a:srgbClr>
-            </a:outerShdw>
-          </a:effectLst>
-        </a:effectStyle>
-        <a:effectStyle>
-          <a:effectLst>
-            <a:outerShdw blurRad="40000" dist="23000" dir="5400000" rotWithShape="0">
-              <a:srgbClr val="000000">
-                <a:alpha val="35000"/>
-              </a:srgbClr>
-            </a:outerShdw>
-          </a:effectLst>
-        </a:effectStyle>
-        <a:effectStyle>
-          <a:effectLst>
-            <a:outerShdw blurRad="40000" dist="23000" dir="5400000" rotWithShape="0">
-              <a:srgbClr val="000000">
-                <a:alpha val="35000"/>
-              </a:srgbClr>
-            </a:outerShdw>
-          </a:effectLst>
-          <a:scene3d>
-            <a:camera prst="orthographicFront">
-              <a:rot lat="0" lon="0" rev="0"/>
-            </a:camera>
-            <a:lightRig rig="threePt" dir="t">
-              <a:rot lat="0" lon="0" rev="1200000"/>
-            </a:lightRig>
-          </a:scene3d>
-          <a:sp3d>
-            <a:bevelT w="63500" h="25400"/>
-          </a:sp3d>
-        </a:effectStyle>
-      </a:effectStyleLst>
-      <a:bgFillStyleLst>
-        <a:solidFill>
-          <a:schemeClr val="phClr"/>
-        </a:solidFill>
-        <a:gradFill rotWithShape="1">
-          <a:gsLst>
-            <a:gs pos="0">
-              <a:schemeClr val="phClr">
-                <a:tint val="40000"/>
-                <a:satMod val="350000"/>
-              </a:schemeClr>
-            </a:gs>
-            <a:gs pos="40000">
-              <a:schemeClr val="phClr">
-                <a:tint val="45000"/>
-                <a:shade val="99000"/>
-                <a:satMod val="350000"/>
-              </a:schemeClr>
-            </a:gs>
-            <a:gs pos="100000">
-              <a:schemeClr val="phClr">
-                <a:shade val="20000"/>
-                <a:satMod val="255000"/>
-              </a:schemeClr>
-            </a:gs>
-          </a:gsLst>
-          <a:path path="circle">
-            <a:fillToRect l="50000" t="-80000" r="50000" b="180000"/>
-          </a:path>
-        </a:gradFill>
-        <a:gradFill rotWithShape="1">
-          <a:gsLst>
-            <a:gs pos="0">
-              <a:schemeClr val="phClr">
-                <a:tint val="80000"/>
-                <a:satMod val="300000"/>
-              </a:schemeClr>
-            </a:gs>
-            <a:gs pos="100000">
-              <a:schemeClr val="phClr">
-                <a:shade val="30000"/>
-                <a:satMod val="200000"/>
-              </a:schemeClr>
-            </a:gs>
-          </a:gsLst>
-          <a:path path="circle">
-            <a:fillToRect l="50000" t="50000" r="50000" b="50000"/>
-          </a:path>
-        </a:gradFill>
-      </a:bgFillStyleLst>
-    </a:fmtScheme>
-  </a:themeElements>
-</a:theme>
 </file>